--- a/数学系/必修课程/大3下_数学模型/课件与教材/mooc/3.2 税收与价格补贴问题：效用最大化模型应用.pptx
+++ b/数学系/必修课程/大3下_数学模型/课件与教材/mooc/3.2 税收与价格补贴问题：效用最大化模型应用.pptx
@@ -116,7 +116,7 @@
   </p:defaultTextStyle>
   <p:extLst>
     <p:ext uri="{EFAFB233-063F-42B5-8137-9DF3F51BA10A}">
-      <p15:sldGuideLst xmlns:p15="http://schemas.microsoft.com/office/powerpoint/2012/main" xmlns="">
+      <p15:sldGuideLst xmlns:p15="http://schemas.microsoft.com/office/powerpoint/2012/main">
         <p15:guide id="1" orient="horz" pos="2160">
           <p15:clr>
             <a:srgbClr val="A4A3A4"/>
@@ -216,7 +216,7 @@
             <a:fld id="{E6FC92F2-5818-429B-AD7D-6889522EA81F}" type="datetimeFigureOut">
               <a:rPr lang="zh-CN" altLang="en-US" smtClean="0"/>
               <a:pPr/>
-              <a:t>2016/2/20</a:t>
+              <a:t>2020/9/8</a:t>
             </a:fld>
             <a:endParaRPr lang="zh-CN" altLang="en-US"/>
           </a:p>
@@ -385,7 +385,7 @@
     </p:spTree>
     <p:extLst>
       <p:ext uri="{BB962C8B-B14F-4D97-AF65-F5344CB8AC3E}">
-        <p14:creationId xmlns:p14="http://schemas.microsoft.com/office/powerpoint/2010/main" xmlns="" val="2929383765"/>
+        <p14:creationId xmlns:p14="http://schemas.microsoft.com/office/powerpoint/2010/main" val="2929383765"/>
       </p:ext>
     </p:extLst>
   </p:cSld>
@@ -617,7 +617,7 @@
             <a:fld id="{952F1BAB-6D16-49F7-AA30-EC15D3841451}" type="datetimeFigureOut">
               <a:rPr lang="zh-CN" altLang="en-US" smtClean="0"/>
               <a:pPr/>
-              <a:t>2016/2/20</a:t>
+              <a:t>2020/9/8</a:t>
             </a:fld>
             <a:endParaRPr lang="zh-CN" altLang="en-US"/>
           </a:p>
@@ -669,7 +669,7 @@
     </p:spTree>
     <p:extLst>
       <p:ext uri="{BB962C8B-B14F-4D97-AF65-F5344CB8AC3E}">
-        <p14:creationId xmlns:p14="http://schemas.microsoft.com/office/powerpoint/2010/main" xmlns="" val="1952665453"/>
+        <p14:creationId xmlns:p14="http://schemas.microsoft.com/office/powerpoint/2010/main" val="1952665453"/>
       </p:ext>
     </p:extLst>
   </p:cSld>
@@ -789,7 +789,7 @@
             <a:fld id="{952F1BAB-6D16-49F7-AA30-EC15D3841451}" type="datetimeFigureOut">
               <a:rPr lang="zh-CN" altLang="en-US" smtClean="0"/>
               <a:pPr/>
-              <a:t>2016/2/20</a:t>
+              <a:t>2020/9/8</a:t>
             </a:fld>
             <a:endParaRPr lang="zh-CN" altLang="en-US"/>
           </a:p>
@@ -841,7 +841,7 @@
     </p:spTree>
     <p:extLst>
       <p:ext uri="{BB962C8B-B14F-4D97-AF65-F5344CB8AC3E}">
-        <p14:creationId xmlns:p14="http://schemas.microsoft.com/office/powerpoint/2010/main" xmlns="" val="645806245"/>
+        <p14:creationId xmlns:p14="http://schemas.microsoft.com/office/powerpoint/2010/main" val="645806245"/>
       </p:ext>
     </p:extLst>
   </p:cSld>
@@ -971,7 +971,7 @@
             <a:fld id="{952F1BAB-6D16-49F7-AA30-EC15D3841451}" type="datetimeFigureOut">
               <a:rPr lang="zh-CN" altLang="en-US" smtClean="0"/>
               <a:pPr/>
-              <a:t>2016/2/20</a:t>
+              <a:t>2020/9/8</a:t>
             </a:fld>
             <a:endParaRPr lang="zh-CN" altLang="en-US"/>
           </a:p>
@@ -1023,7 +1023,7 @@
     </p:spTree>
     <p:extLst>
       <p:ext uri="{BB962C8B-B14F-4D97-AF65-F5344CB8AC3E}">
-        <p14:creationId xmlns:p14="http://schemas.microsoft.com/office/powerpoint/2010/main" xmlns="" val="1450384179"/>
+        <p14:creationId xmlns:p14="http://schemas.microsoft.com/office/powerpoint/2010/main" val="1450384179"/>
       </p:ext>
     </p:extLst>
   </p:cSld>
@@ -1143,7 +1143,7 @@
             <a:fld id="{952F1BAB-6D16-49F7-AA30-EC15D3841451}" type="datetimeFigureOut">
               <a:rPr lang="zh-CN" altLang="en-US" smtClean="0"/>
               <a:pPr/>
-              <a:t>2016/2/20</a:t>
+              <a:t>2020/9/8</a:t>
             </a:fld>
             <a:endParaRPr lang="zh-CN" altLang="en-US"/>
           </a:p>
@@ -1195,7 +1195,7 @@
     </p:spTree>
     <p:extLst>
       <p:ext uri="{BB962C8B-B14F-4D97-AF65-F5344CB8AC3E}">
-        <p14:creationId xmlns:p14="http://schemas.microsoft.com/office/powerpoint/2010/main" xmlns="" val="430190172"/>
+        <p14:creationId xmlns:p14="http://schemas.microsoft.com/office/powerpoint/2010/main" val="430190172"/>
       </p:ext>
     </p:extLst>
   </p:cSld>
@@ -1391,7 +1391,7 @@
             <a:fld id="{952F1BAB-6D16-49F7-AA30-EC15D3841451}" type="datetimeFigureOut">
               <a:rPr lang="zh-CN" altLang="en-US" smtClean="0"/>
               <a:pPr/>
-              <a:t>2016/2/20</a:t>
+              <a:t>2020/9/8</a:t>
             </a:fld>
             <a:endParaRPr lang="zh-CN" altLang="en-US"/>
           </a:p>
@@ -1443,7 +1443,7 @@
     </p:spTree>
     <p:extLst>
       <p:ext uri="{BB962C8B-B14F-4D97-AF65-F5344CB8AC3E}">
-        <p14:creationId xmlns:p14="http://schemas.microsoft.com/office/powerpoint/2010/main" xmlns="" val="2084951279"/>
+        <p14:creationId xmlns:p14="http://schemas.microsoft.com/office/powerpoint/2010/main" val="2084951279"/>
       </p:ext>
     </p:extLst>
   </p:cSld>
@@ -1625,7 +1625,7 @@
             <a:fld id="{952F1BAB-6D16-49F7-AA30-EC15D3841451}" type="datetimeFigureOut">
               <a:rPr lang="zh-CN" altLang="en-US" smtClean="0"/>
               <a:pPr/>
-              <a:t>2016/2/20</a:t>
+              <a:t>2020/9/8</a:t>
             </a:fld>
             <a:endParaRPr lang="zh-CN" altLang="en-US"/>
           </a:p>
@@ -1677,7 +1677,7 @@
     </p:spTree>
     <p:extLst>
       <p:ext uri="{BB962C8B-B14F-4D97-AF65-F5344CB8AC3E}">
-        <p14:creationId xmlns:p14="http://schemas.microsoft.com/office/powerpoint/2010/main" xmlns="" val="3607210406"/>
+        <p14:creationId xmlns:p14="http://schemas.microsoft.com/office/powerpoint/2010/main" val="3607210406"/>
       </p:ext>
     </p:extLst>
   </p:cSld>
@@ -1994,7 +1994,7 @@
             <a:fld id="{952F1BAB-6D16-49F7-AA30-EC15D3841451}" type="datetimeFigureOut">
               <a:rPr lang="zh-CN" altLang="en-US" smtClean="0"/>
               <a:pPr/>
-              <a:t>2016/2/20</a:t>
+              <a:t>2020/9/8</a:t>
             </a:fld>
             <a:endParaRPr lang="zh-CN" altLang="en-US"/>
           </a:p>
@@ -2046,7 +2046,7 @@
     </p:spTree>
     <p:extLst>
       <p:ext uri="{BB962C8B-B14F-4D97-AF65-F5344CB8AC3E}">
-        <p14:creationId xmlns:p14="http://schemas.microsoft.com/office/powerpoint/2010/main" xmlns="" val="1438483287"/>
+        <p14:creationId xmlns:p14="http://schemas.microsoft.com/office/powerpoint/2010/main" val="1438483287"/>
       </p:ext>
     </p:extLst>
   </p:cSld>
@@ -2114,7 +2114,7 @@
             <a:fld id="{952F1BAB-6D16-49F7-AA30-EC15D3841451}" type="datetimeFigureOut">
               <a:rPr lang="zh-CN" altLang="en-US" smtClean="0"/>
               <a:pPr/>
-              <a:t>2016/2/20</a:t>
+              <a:t>2020/9/8</a:t>
             </a:fld>
             <a:endParaRPr lang="zh-CN" altLang="en-US"/>
           </a:p>
@@ -2166,7 +2166,7 @@
     </p:spTree>
     <p:extLst>
       <p:ext uri="{BB962C8B-B14F-4D97-AF65-F5344CB8AC3E}">
-        <p14:creationId xmlns:p14="http://schemas.microsoft.com/office/powerpoint/2010/main" xmlns="" val="1053745672"/>
+        <p14:creationId xmlns:p14="http://schemas.microsoft.com/office/powerpoint/2010/main" val="1053745672"/>
       </p:ext>
     </p:extLst>
   </p:cSld>
@@ -2211,7 +2211,7 @@
             <a:fld id="{952F1BAB-6D16-49F7-AA30-EC15D3841451}" type="datetimeFigureOut">
               <a:rPr lang="zh-CN" altLang="en-US" smtClean="0"/>
               <a:pPr/>
-              <a:t>2016/2/20</a:t>
+              <a:t>2020/9/8</a:t>
             </a:fld>
             <a:endParaRPr lang="zh-CN" altLang="en-US"/>
           </a:p>
@@ -2263,7 +2263,7 @@
     </p:spTree>
     <p:extLst>
       <p:ext uri="{BB962C8B-B14F-4D97-AF65-F5344CB8AC3E}">
-        <p14:creationId xmlns:p14="http://schemas.microsoft.com/office/powerpoint/2010/main" xmlns="" val="3083547254"/>
+        <p14:creationId xmlns:p14="http://schemas.microsoft.com/office/powerpoint/2010/main" val="3083547254"/>
       </p:ext>
     </p:extLst>
   </p:cSld>
@@ -2490,7 +2490,7 @@
             <a:fld id="{952F1BAB-6D16-49F7-AA30-EC15D3841451}" type="datetimeFigureOut">
               <a:rPr lang="zh-CN" altLang="en-US" smtClean="0"/>
               <a:pPr/>
-              <a:t>2016/2/20</a:t>
+              <a:t>2020/9/8</a:t>
             </a:fld>
             <a:endParaRPr lang="zh-CN" altLang="en-US"/>
           </a:p>
@@ -2542,7 +2542,7 @@
     </p:spTree>
     <p:extLst>
       <p:ext uri="{BB962C8B-B14F-4D97-AF65-F5344CB8AC3E}">
-        <p14:creationId xmlns:p14="http://schemas.microsoft.com/office/powerpoint/2010/main" xmlns="" val="2055211139"/>
+        <p14:creationId xmlns:p14="http://schemas.microsoft.com/office/powerpoint/2010/main" val="2055211139"/>
       </p:ext>
     </p:extLst>
   </p:cSld>
@@ -2745,7 +2745,7 @@
             <a:fld id="{952F1BAB-6D16-49F7-AA30-EC15D3841451}" type="datetimeFigureOut">
               <a:rPr lang="zh-CN" altLang="en-US" smtClean="0"/>
               <a:pPr/>
-              <a:t>2016/2/20</a:t>
+              <a:t>2020/9/8</a:t>
             </a:fld>
             <a:endParaRPr lang="zh-CN" altLang="en-US"/>
           </a:p>
@@ -2797,7 +2797,7 @@
     </p:spTree>
     <p:extLst>
       <p:ext uri="{BB962C8B-B14F-4D97-AF65-F5344CB8AC3E}">
-        <p14:creationId xmlns:p14="http://schemas.microsoft.com/office/powerpoint/2010/main" xmlns="" val="1174773819"/>
+        <p14:creationId xmlns:p14="http://schemas.microsoft.com/office/powerpoint/2010/main" val="1174773819"/>
       </p:ext>
     </p:extLst>
   </p:cSld>
@@ -2960,7 +2960,7 @@
             <a:fld id="{952F1BAB-6D16-49F7-AA30-EC15D3841451}" type="datetimeFigureOut">
               <a:rPr lang="zh-CN" altLang="en-US" smtClean="0"/>
               <a:pPr/>
-              <a:t>2016/2/20</a:t>
+              <a:t>2020/9/8</a:t>
             </a:fld>
             <a:endParaRPr lang="zh-CN" altLang="en-US"/>
           </a:p>
@@ -3048,7 +3048,7 @@
     </p:spTree>
     <p:extLst>
       <p:ext uri="{BB962C8B-B14F-4D97-AF65-F5344CB8AC3E}">
-        <p14:creationId xmlns:p14="http://schemas.microsoft.com/office/powerpoint/2010/main" xmlns="" val="230108908"/>
+        <p14:creationId xmlns:p14="http://schemas.microsoft.com/office/powerpoint/2010/main" val="230108908"/>
       </p:ext>
     </p:extLst>
   </p:cSld>
@@ -3384,14 +3384,14 @@
           <a:noFill/>
           <a:extLst>
             <a:ext uri="{909E8E84-426E-40DD-AFC4-6F175D3DCCD1}">
-              <a14:hiddenFill xmlns:a14="http://schemas.microsoft.com/office/drawing/2010/main" xmlns="">
+              <a14:hiddenFill xmlns:a14="http://schemas.microsoft.com/office/drawing/2010/main">
                 <a:solidFill>
                   <a:srgbClr val="FFFFFF"/>
                 </a:solidFill>
               </a14:hiddenFill>
             </a:ext>
             <a:ext uri="{91240B29-F687-4F45-9708-019B960494DF}">
-              <a14:hiddenLine xmlns:a14="http://schemas.microsoft.com/office/drawing/2010/main" xmlns="" w="9525">
+              <a14:hiddenLine xmlns:a14="http://schemas.microsoft.com/office/drawing/2010/main" w="9525">
                 <a:solidFill>
                   <a:srgbClr val="000000"/>
                 </a:solidFill>
@@ -3441,14 +3441,14 @@
           <a:noFill/>
           <a:extLst>
             <a:ext uri="{909E8E84-426E-40DD-AFC4-6F175D3DCCD1}">
-              <a14:hiddenFill xmlns:a14="http://schemas.microsoft.com/office/drawing/2010/main" xmlns="">
+              <a14:hiddenFill xmlns:a14="http://schemas.microsoft.com/office/drawing/2010/main">
                 <a:solidFill>
                   <a:srgbClr val="FFFFFF"/>
                 </a:solidFill>
               </a14:hiddenFill>
             </a:ext>
             <a:ext uri="{91240B29-F687-4F45-9708-019B960494DF}">
-              <a14:hiddenLine xmlns:a14="http://schemas.microsoft.com/office/drawing/2010/main" xmlns="" w="9525">
+              <a14:hiddenLine xmlns:a14="http://schemas.microsoft.com/office/drawing/2010/main" w="9525">
                 <a:solidFill>
                   <a:srgbClr val="000000"/>
                 </a:solidFill>
@@ -3523,14 +3523,14 @@
           </a:ln>
           <a:extLst>
             <a:ext uri="{909E8E84-426E-40DD-AFC4-6F175D3DCCD1}">
-              <a14:hiddenFill xmlns:a14="http://schemas.microsoft.com/office/drawing/2010/main" xmlns="">
+              <a14:hiddenFill xmlns:a14="http://schemas.microsoft.com/office/drawing/2010/main">
                 <a:solidFill>
                   <a:srgbClr val="FFFFFF"/>
                 </a:solidFill>
               </a14:hiddenFill>
             </a:ext>
             <a:ext uri="{91240B29-F687-4F45-9708-019B960494DF}">
-              <a14:hiddenLine xmlns:a14="http://schemas.microsoft.com/office/drawing/2010/main" xmlns="" w="12700">
+              <a14:hiddenLine xmlns:a14="http://schemas.microsoft.com/office/drawing/2010/main" w="12700">
                 <a:solidFill>
                   <a:srgbClr val="000000"/>
                 </a:solidFill>
@@ -3701,7 +3701,7 @@
           <a:blip r:embed="rId2">
             <a:extLst>
               <a:ext uri="{28A0092B-C50C-407E-A947-70E740481C1C}">
-                <a14:useLocalDpi xmlns:a14="http://schemas.microsoft.com/office/drawing/2010/main" xmlns="" val="0"/>
+                <a14:useLocalDpi xmlns:a14="http://schemas.microsoft.com/office/drawing/2010/main" val="0"/>
               </a:ext>
             </a:extLst>
           </a:blip>
@@ -3724,14 +3724,14 @@
           </a:ln>
           <a:extLst>
             <a:ext uri="{909E8E84-426E-40DD-AFC4-6F175D3DCCD1}">
-              <a14:hiddenFill xmlns:a14="http://schemas.microsoft.com/office/drawing/2010/main" xmlns="">
+              <a14:hiddenFill xmlns:a14="http://schemas.microsoft.com/office/drawing/2010/main">
                 <a:solidFill>
                   <a:srgbClr val="FFFFFF"/>
                 </a:solidFill>
               </a14:hiddenFill>
             </a:ext>
             <a:ext uri="{91240B29-F687-4F45-9708-019B960494DF}">
-              <a14:hiddenLine xmlns:a14="http://schemas.microsoft.com/office/drawing/2010/main" xmlns="" w="9525">
+              <a14:hiddenLine xmlns:a14="http://schemas.microsoft.com/office/drawing/2010/main" w="9525">
                 <a:solidFill>
                   <a:srgbClr val="000000"/>
                 </a:solidFill>
@@ -3805,7 +3805,7 @@
     </p:spTree>
     <p:extLst>
       <p:ext uri="{BB962C8B-B14F-4D97-AF65-F5344CB8AC3E}">
-        <p14:creationId xmlns:p14="http://schemas.microsoft.com/office/powerpoint/2010/main" xmlns="" val="163500423"/>
+        <p14:creationId xmlns:p14="http://schemas.microsoft.com/office/powerpoint/2010/main" val="163500423"/>
       </p:ext>
     </p:extLst>
   </p:cSld>
@@ -5942,9 +5942,59 @@
         </p:xfrm>
         <a:graphic>
           <a:graphicData uri="http://schemas.openxmlformats.org/presentationml/2006/ole">
-            <p:oleObj spid="_x0000_s68610" name="公式" r:id="rId3" imgW="1447800" imgH="228600" progId="Equation.3">
-              <p:embed/>
-            </p:oleObj>
+            <mc:AlternateContent xmlns:mc="http://schemas.openxmlformats.org/markup-compatibility/2006">
+              <mc:Choice xmlns:v="urn:schemas-microsoft-com:vml" Requires="v">
+                <p:oleObj spid="_x0000_s68612" name="公式" r:id="rId3" imgW="1447800" imgH="228600" progId="Equation.3">
+                  <p:embed/>
+                </p:oleObj>
+              </mc:Choice>
+              <mc:Fallback>
+                <p:oleObj name="公式" r:id="rId3" imgW="1447800" imgH="228600" progId="Equation.3">
+                  <p:embed/>
+                  <p:pic>
+                    <p:nvPicPr>
+                      <p:cNvPr id="0" name="Picture 2"/>
+                      <p:cNvPicPr>
+                        <a:picLocks noChangeAspect="1" noChangeArrowheads="1"/>
+                      </p:cNvPicPr>
+                      <p:nvPr/>
+                    </p:nvPicPr>
+                    <p:blipFill>
+                      <a:blip r:embed="rId4">
+                        <a:extLst>
+                          <a:ext uri="{28A0092B-C50C-407E-A947-70E740481C1C}">
+                            <a14:useLocalDpi xmlns:a14="http://schemas.microsoft.com/office/drawing/2010/main" val="0"/>
+                          </a:ext>
+                        </a:extLst>
+                      </a:blip>
+                      <a:srcRect/>
+                      <a:stretch>
+                        <a:fillRect/>
+                      </a:stretch>
+                    </p:blipFill>
+                    <p:spPr bwMode="auto">
+                      <a:xfrm>
+                        <a:off x="7027470" y="1654175"/>
+                        <a:ext cx="3841751" cy="528638"/>
+                      </a:xfrm>
+                      <a:prstGeom prst="rect">
+                        <a:avLst/>
+                      </a:prstGeom>
+                      <a:noFill/>
+                      <a:extLst>
+                        <a:ext uri="{909E8E84-426E-40DD-AFC4-6F175D3DCCD1}">
+                          <a14:hiddenFill xmlns:a14="http://schemas.microsoft.com/office/drawing/2010/main">
+                            <a:solidFill>
+                              <a:srgbClr val="FFFFFF"/>
+                            </a:solidFill>
+                          </a14:hiddenFill>
+                        </a:ext>
+                      </a:extLst>
+                    </p:spPr>
+                  </p:pic>
+                </p:oleObj>
+              </mc:Fallback>
+            </mc:AlternateContent>
           </a:graphicData>
         </a:graphic>
       </p:graphicFrame>
@@ -8067,9 +8117,59 @@
         </p:xfrm>
         <a:graphic>
           <a:graphicData uri="http://schemas.openxmlformats.org/presentationml/2006/ole">
-            <p:oleObj spid="_x0000_s84995" name="公式" r:id="rId3" imgW="1371600" imgH="241300" progId="Equation.3">
-              <p:embed/>
-            </p:oleObj>
+            <mc:AlternateContent xmlns:mc="http://schemas.openxmlformats.org/markup-compatibility/2006">
+              <mc:Choice xmlns:v="urn:schemas-microsoft-com:vml" Requires="v">
+                <p:oleObj spid="_x0000_s84999" name="公式" r:id="rId3" imgW="1371600" imgH="241300" progId="Equation.3">
+                  <p:embed/>
+                </p:oleObj>
+              </mc:Choice>
+              <mc:Fallback>
+                <p:oleObj name="公式" r:id="rId3" imgW="1371600" imgH="241300" progId="Equation.3">
+                  <p:embed/>
+                  <p:pic>
+                    <p:nvPicPr>
+                      <p:cNvPr id="0" name="Picture 3"/>
+                      <p:cNvPicPr>
+                        <a:picLocks noChangeAspect="1" noChangeArrowheads="1"/>
+                      </p:cNvPicPr>
+                      <p:nvPr/>
+                    </p:nvPicPr>
+                    <p:blipFill>
+                      <a:blip r:embed="rId4">
+                        <a:extLst>
+                          <a:ext uri="{28A0092B-C50C-407E-A947-70E740481C1C}">
+                            <a14:useLocalDpi xmlns:a14="http://schemas.microsoft.com/office/drawing/2010/main" val="0"/>
+                          </a:ext>
+                        </a:extLst>
+                      </a:blip>
+                      <a:srcRect/>
+                      <a:stretch>
+                        <a:fillRect/>
+                      </a:stretch>
+                    </p:blipFill>
+                    <p:spPr bwMode="auto">
+                      <a:xfrm>
+                        <a:off x="7434212" y="3289711"/>
+                        <a:ext cx="4320116" cy="561975"/>
+                      </a:xfrm>
+                      <a:prstGeom prst="rect">
+                        <a:avLst/>
+                      </a:prstGeom>
+                      <a:noFill/>
+                      <a:extLst>
+                        <a:ext uri="{909E8E84-426E-40DD-AFC4-6F175D3DCCD1}">
+                          <a14:hiddenFill xmlns:a14="http://schemas.microsoft.com/office/drawing/2010/main">
+                            <a:solidFill>
+                              <a:srgbClr val="FFFFFF"/>
+                            </a:solidFill>
+                          </a14:hiddenFill>
+                        </a:ext>
+                      </a:extLst>
+                    </p:spPr>
+                  </p:pic>
+                </p:oleObj>
+              </mc:Fallback>
+            </mc:AlternateContent>
           </a:graphicData>
         </a:graphic>
       </p:graphicFrame>
@@ -8485,9 +8585,59 @@
         </p:xfrm>
         <a:graphic>
           <a:graphicData uri="http://schemas.openxmlformats.org/presentationml/2006/ole">
-            <p:oleObj spid="_x0000_s84996" name="公式" r:id="rId4" imgW="1447800" imgH="228600" progId="Equation.3">
-              <p:embed/>
-            </p:oleObj>
+            <mc:AlternateContent xmlns:mc="http://schemas.openxmlformats.org/markup-compatibility/2006">
+              <mc:Choice xmlns:v="urn:schemas-microsoft-com:vml" Requires="v">
+                <p:oleObj spid="_x0000_s85000" name="公式" r:id="rId5" imgW="1447800" imgH="228600" progId="Equation.3">
+                  <p:embed/>
+                </p:oleObj>
+              </mc:Choice>
+              <mc:Fallback>
+                <p:oleObj name="公式" r:id="rId5" imgW="1447800" imgH="228600" progId="Equation.3">
+                  <p:embed/>
+                  <p:pic>
+                    <p:nvPicPr>
+                      <p:cNvPr id="0" name="Picture 4"/>
+                      <p:cNvPicPr>
+                        <a:picLocks noChangeAspect="1" noChangeArrowheads="1"/>
+                      </p:cNvPicPr>
+                      <p:nvPr/>
+                    </p:nvPicPr>
+                    <p:blipFill>
+                      <a:blip r:embed="rId6">
+                        <a:extLst>
+                          <a:ext uri="{28A0092B-C50C-407E-A947-70E740481C1C}">
+                            <a14:useLocalDpi xmlns:a14="http://schemas.microsoft.com/office/drawing/2010/main" val="0"/>
+                          </a:ext>
+                        </a:extLst>
+                      </a:blip>
+                      <a:srcRect/>
+                      <a:stretch>
+                        <a:fillRect/>
+                      </a:stretch>
+                    </p:blipFill>
+                    <p:spPr bwMode="auto">
+                      <a:xfrm>
+                        <a:off x="8001257" y="459556"/>
+                        <a:ext cx="3841750" cy="528638"/>
+                      </a:xfrm>
+                      <a:prstGeom prst="rect">
+                        <a:avLst/>
+                      </a:prstGeom>
+                      <a:noFill/>
+                      <a:extLst>
+                        <a:ext uri="{909E8E84-426E-40DD-AFC4-6F175D3DCCD1}">
+                          <a14:hiddenFill xmlns:a14="http://schemas.microsoft.com/office/drawing/2010/main">
+                            <a:solidFill>
+                              <a:srgbClr val="FFFFFF"/>
+                            </a:solidFill>
+                          </a14:hiddenFill>
+                        </a:ext>
+                      </a:extLst>
+                    </p:spPr>
+                  </p:pic>
+                </p:oleObj>
+              </mc:Fallback>
+            </mc:AlternateContent>
           </a:graphicData>
         </a:graphic>
       </p:graphicFrame>
@@ -10920,9 +11070,59 @@
           </p:xfrm>
           <a:graphic>
             <a:graphicData uri="http://schemas.openxmlformats.org/presentationml/2006/ole">
-              <p:oleObj spid="_x0000_s87042" name="公式" r:id="rId3" imgW="164880" imgH="228600" progId="Equation.3">
-                <p:embed/>
-              </p:oleObj>
+              <mc:AlternateContent xmlns:mc="http://schemas.openxmlformats.org/markup-compatibility/2006">
+                <mc:Choice xmlns:v="urn:schemas-microsoft-com:vml" Requires="v">
+                  <p:oleObj spid="_x0000_s87046" name="公式" r:id="rId3" imgW="164880" imgH="228600" progId="Equation.3">
+                    <p:embed/>
+                  </p:oleObj>
+                </mc:Choice>
+                <mc:Fallback>
+                  <p:oleObj name="公式" r:id="rId3" imgW="164880" imgH="228600" progId="Equation.3">
+                    <p:embed/>
+                    <p:pic>
+                      <p:nvPicPr>
+                        <p:cNvPr id="0" name="Object 48"/>
+                        <p:cNvPicPr>
+                          <a:picLocks noChangeAspect="1" noChangeArrowheads="1"/>
+                        </p:cNvPicPr>
+                        <p:nvPr/>
+                      </p:nvPicPr>
+                      <p:blipFill>
+                        <a:blip r:embed="rId4">
+                          <a:extLst>
+                            <a:ext uri="{28A0092B-C50C-407E-A947-70E740481C1C}">
+                              <a14:useLocalDpi xmlns:a14="http://schemas.microsoft.com/office/drawing/2010/main" val="0"/>
+                            </a:ext>
+                          </a:extLst>
+                        </a:blip>
+                        <a:srcRect/>
+                        <a:stretch>
+                          <a:fillRect/>
+                        </a:stretch>
+                      </p:blipFill>
+                      <p:spPr bwMode="auto">
+                        <a:xfrm>
+                          <a:off x="4123" y="3385"/>
+                          <a:ext cx="209" cy="227"/>
+                        </a:xfrm>
+                        <a:prstGeom prst="rect">
+                          <a:avLst/>
+                        </a:prstGeom>
+                        <a:noFill/>
+                        <a:extLst>
+                          <a:ext uri="{909E8E84-426E-40DD-AFC4-6F175D3DCCD1}">
+                            <a14:hiddenFill xmlns:a14="http://schemas.microsoft.com/office/drawing/2010/main">
+                              <a:solidFill>
+                                <a:srgbClr val="FFFFFF"/>
+                              </a:solidFill>
+                            </a14:hiddenFill>
+                          </a:ext>
+                        </a:extLst>
+                      </p:spPr>
+                    </p:pic>
+                  </p:oleObj>
+                </mc:Fallback>
+              </mc:AlternateContent>
             </a:graphicData>
           </a:graphic>
         </p:graphicFrame>
@@ -10940,9 +11140,59 @@
           </p:xfrm>
           <a:graphic>
             <a:graphicData uri="http://schemas.openxmlformats.org/presentationml/2006/ole">
-              <p:oleObj spid="_x0000_s87043" name="公式" r:id="rId4" imgW="164880" imgH="228600" progId="Equation.3">
-                <p:embed/>
-              </p:oleObj>
+              <mc:AlternateContent xmlns:mc="http://schemas.openxmlformats.org/markup-compatibility/2006">
+                <mc:Choice xmlns:v="urn:schemas-microsoft-com:vml" Requires="v">
+                  <p:oleObj spid="_x0000_s87047" name="公式" r:id="rId5" imgW="164880" imgH="228600" progId="Equation.3">
+                    <p:embed/>
+                  </p:oleObj>
+                </mc:Choice>
+                <mc:Fallback>
+                  <p:oleObj name="公式" r:id="rId5" imgW="164880" imgH="228600" progId="Equation.3">
+                    <p:embed/>
+                    <p:pic>
+                      <p:nvPicPr>
+                        <p:cNvPr id="0" name="Object 49"/>
+                        <p:cNvPicPr>
+                          <a:picLocks noChangeAspect="1" noChangeArrowheads="1"/>
+                        </p:cNvPicPr>
+                        <p:nvPr/>
+                      </p:nvPicPr>
+                      <p:blipFill>
+                        <a:blip r:embed="rId6">
+                          <a:extLst>
+                            <a:ext uri="{28A0092B-C50C-407E-A947-70E740481C1C}">
+                              <a14:useLocalDpi xmlns:a14="http://schemas.microsoft.com/office/drawing/2010/main" val="0"/>
+                            </a:ext>
+                          </a:extLst>
+                        </a:blip>
+                        <a:srcRect/>
+                        <a:stretch>
+                          <a:fillRect/>
+                        </a:stretch>
+                      </p:blipFill>
+                      <p:spPr bwMode="auto">
+                        <a:xfrm>
+                          <a:off x="4649" y="3786"/>
+                          <a:ext cx="219" cy="234"/>
+                        </a:xfrm>
+                        <a:prstGeom prst="rect">
+                          <a:avLst/>
+                        </a:prstGeom>
+                        <a:noFill/>
+                        <a:extLst>
+                          <a:ext uri="{909E8E84-426E-40DD-AFC4-6F175D3DCCD1}">
+                            <a14:hiddenFill xmlns:a14="http://schemas.microsoft.com/office/drawing/2010/main">
+                              <a:solidFill>
+                                <a:srgbClr val="FFFFFF"/>
+                              </a:solidFill>
+                            </a14:hiddenFill>
+                          </a:ext>
+                        </a:extLst>
+                      </p:spPr>
+                    </p:pic>
+                  </p:oleObj>
+                </mc:Fallback>
+              </mc:AlternateContent>
             </a:graphicData>
           </a:graphic>
         </p:graphicFrame>
@@ -12183,9 +12433,59 @@
           </p:xfrm>
           <a:graphic>
             <a:graphicData uri="http://schemas.openxmlformats.org/presentationml/2006/ole">
-              <p:oleObj spid="_x0000_s88066" name="公式" r:id="rId3" imgW="164880" imgH="228600" progId="Equation.3">
-                <p:embed/>
-              </p:oleObj>
+              <mc:AlternateContent xmlns:mc="http://schemas.openxmlformats.org/markup-compatibility/2006">
+                <mc:Choice xmlns:v="urn:schemas-microsoft-com:vml" Requires="v">
+                  <p:oleObj spid="_x0000_s88076" name="公式" r:id="rId3" imgW="164880" imgH="228600" progId="Equation.3">
+                    <p:embed/>
+                  </p:oleObj>
+                </mc:Choice>
+                <mc:Fallback>
+                  <p:oleObj name="公式" r:id="rId3" imgW="164880" imgH="228600" progId="Equation.3">
+                    <p:embed/>
+                    <p:pic>
+                      <p:nvPicPr>
+                        <p:cNvPr id="0" name="Object 48"/>
+                        <p:cNvPicPr>
+                          <a:picLocks noChangeAspect="1" noChangeArrowheads="1"/>
+                        </p:cNvPicPr>
+                        <p:nvPr/>
+                      </p:nvPicPr>
+                      <p:blipFill>
+                        <a:blip r:embed="rId4">
+                          <a:extLst>
+                            <a:ext uri="{28A0092B-C50C-407E-A947-70E740481C1C}">
+                              <a14:useLocalDpi xmlns:a14="http://schemas.microsoft.com/office/drawing/2010/main" val="0"/>
+                            </a:ext>
+                          </a:extLst>
+                        </a:blip>
+                        <a:srcRect/>
+                        <a:stretch>
+                          <a:fillRect/>
+                        </a:stretch>
+                      </p:blipFill>
+                      <p:spPr bwMode="auto">
+                        <a:xfrm>
+                          <a:off x="4180" y="3385"/>
+                          <a:ext cx="152" cy="126"/>
+                        </a:xfrm>
+                        <a:prstGeom prst="rect">
+                          <a:avLst/>
+                        </a:prstGeom>
+                        <a:noFill/>
+                        <a:extLst>
+                          <a:ext uri="{909E8E84-426E-40DD-AFC4-6F175D3DCCD1}">
+                            <a14:hiddenFill xmlns:a14="http://schemas.microsoft.com/office/drawing/2010/main">
+                              <a:solidFill>
+                                <a:srgbClr val="FFFFFF"/>
+                              </a:solidFill>
+                            </a14:hiddenFill>
+                          </a:ext>
+                        </a:extLst>
+                      </p:spPr>
+                    </p:pic>
+                  </p:oleObj>
+                </mc:Fallback>
+              </mc:AlternateContent>
             </a:graphicData>
           </a:graphic>
         </p:graphicFrame>
@@ -12203,9 +12503,59 @@
           </p:xfrm>
           <a:graphic>
             <a:graphicData uri="http://schemas.openxmlformats.org/presentationml/2006/ole">
-              <p:oleObj spid="_x0000_s88067" name="公式" r:id="rId4" imgW="164880" imgH="228600" progId="Equation.3">
-                <p:embed/>
-              </p:oleObj>
+              <mc:AlternateContent xmlns:mc="http://schemas.openxmlformats.org/markup-compatibility/2006">
+                <mc:Choice xmlns:v="urn:schemas-microsoft-com:vml" Requires="v">
+                  <p:oleObj spid="_x0000_s88077" name="公式" r:id="rId5" imgW="164880" imgH="228600" progId="Equation.3">
+                    <p:embed/>
+                  </p:oleObj>
+                </mc:Choice>
+                <mc:Fallback>
+                  <p:oleObj name="公式" r:id="rId5" imgW="164880" imgH="228600" progId="Equation.3">
+                    <p:embed/>
+                    <p:pic>
+                      <p:nvPicPr>
+                        <p:cNvPr id="0" name="Object 49"/>
+                        <p:cNvPicPr>
+                          <a:picLocks noChangeAspect="1" noChangeArrowheads="1"/>
+                        </p:cNvPicPr>
+                        <p:nvPr/>
+                      </p:nvPicPr>
+                      <p:blipFill>
+                        <a:blip r:embed="rId6">
+                          <a:extLst>
+                            <a:ext uri="{28A0092B-C50C-407E-A947-70E740481C1C}">
+                              <a14:useLocalDpi xmlns:a14="http://schemas.microsoft.com/office/drawing/2010/main" val="0"/>
+                            </a:ext>
+                          </a:extLst>
+                        </a:blip>
+                        <a:srcRect/>
+                        <a:stretch>
+                          <a:fillRect/>
+                        </a:stretch>
+                      </p:blipFill>
+                      <p:spPr bwMode="auto">
+                        <a:xfrm>
+                          <a:off x="4649" y="3786"/>
+                          <a:ext cx="174" cy="110"/>
+                        </a:xfrm>
+                        <a:prstGeom prst="rect">
+                          <a:avLst/>
+                        </a:prstGeom>
+                        <a:noFill/>
+                        <a:extLst>
+                          <a:ext uri="{909E8E84-426E-40DD-AFC4-6F175D3DCCD1}">
+                            <a14:hiddenFill xmlns:a14="http://schemas.microsoft.com/office/drawing/2010/main">
+                              <a:solidFill>
+                                <a:srgbClr val="FFFFFF"/>
+                              </a:solidFill>
+                            </a14:hiddenFill>
+                          </a:ext>
+                        </a:extLst>
+                      </p:spPr>
+                    </p:pic>
+                  </p:oleObj>
+                </mc:Fallback>
+              </mc:AlternateContent>
             </a:graphicData>
           </a:graphic>
         </p:graphicFrame>
@@ -12216,17 +12566,64 @@
           <p:cNvGraphicFramePr>
             <a:graphicFrameLocks noChangeAspect="1"/>
           </p:cNvGraphicFramePr>
-          <p:nvPr/>
+          <p:nvPr>
+            <p:extLst>
+              <p:ext uri="{D42A27DB-BD31-4B8C-83A1-F6EECF244321}">
+                <p14:modId xmlns:p14="http://schemas.microsoft.com/office/powerpoint/2010/main" val="104531784"/>
+              </p:ext>
+            </p:extLst>
+          </p:nvPr>
         </p:nvGraphicFramePr>
         <p:xfrm flipV="1">
-          <a:off x="518139" y="3899719"/>
-          <a:ext cx="3600450" cy="465804"/>
+          <a:off x="673238" y="3973440"/>
+          <a:ext cx="3635644" cy="567572"/>
         </p:xfrm>
         <a:graphic>
           <a:graphicData uri="http://schemas.openxmlformats.org/presentationml/2006/ole">
-            <p:oleObj spid="_x0000_s88068" name="公式" r:id="rId5" imgW="1790700" imgH="254000" progId="Equation.3">
-              <p:embed/>
-            </p:oleObj>
+            <mc:AlternateContent xmlns:mc="http://schemas.openxmlformats.org/markup-compatibility/2006">
+              <mc:Choice xmlns:v="urn:schemas-microsoft-com:vml" Requires="v">
+                <p:oleObj spid="_x0000_s88078" name="公式" r:id="rId7" imgW="1790700" imgH="254000" progId="Equation.3">
+                  <p:embed/>
+                </p:oleObj>
+              </mc:Choice>
+              <mc:Fallback>
+                <p:oleObj name="公式" r:id="rId7" imgW="1790700" imgH="254000" progId="Equation.3">
+                  <p:embed/>
+                  <p:pic>
+                    <p:nvPicPr>
+                      <p:cNvPr id="0" name="Object 38"/>
+                      <p:cNvPicPr>
+                        <a:picLocks noChangeAspect="1" noChangeArrowheads="1"/>
+                      </p:cNvPicPr>
+                      <p:nvPr/>
+                    </p:nvPicPr>
+                    <p:blipFill>
+                      <a:blip r:embed="rId8">
+                        <a:extLst>
+                          <a:ext uri="{28A0092B-C50C-407E-A947-70E740481C1C}">
+                            <a14:useLocalDpi xmlns:a14="http://schemas.microsoft.com/office/drawing/2010/main" val="0"/>
+                          </a:ext>
+                        </a:extLst>
+                      </a:blip>
+                      <a:srcRect/>
+                      <a:stretch>
+                        <a:fillRect/>
+                      </a:stretch>
+                    </p:blipFill>
+                    <p:spPr bwMode="auto">
+                      <a:xfrm flipV="1">
+                        <a:off x="673238" y="3973440"/>
+                        <a:ext cx="3635644" cy="567572"/>
+                      </a:xfrm>
+                      <a:prstGeom prst="rect">
+                        <a:avLst/>
+                      </a:prstGeom>
+                      <a:noFill/>
+                    </p:spPr>
+                  </p:pic>
+                </p:oleObj>
+              </mc:Fallback>
+            </mc:AlternateContent>
           </a:graphicData>
         </a:graphic>
       </p:graphicFrame>
@@ -12304,9 +12701,59 @@
           </p:xfrm>
           <a:graphic>
             <a:graphicData uri="http://schemas.openxmlformats.org/presentationml/2006/ole">
-              <p:oleObj spid="_x0000_s88069" name="公式" r:id="rId6" imgW="317160" imgH="164880" progId="Equation.3">
-                <p:embed/>
-              </p:oleObj>
+              <mc:AlternateContent xmlns:mc="http://schemas.openxmlformats.org/markup-compatibility/2006">
+                <mc:Choice xmlns:v="urn:schemas-microsoft-com:vml" Requires="v">
+                  <p:oleObj spid="_x0000_s88079" name="公式" r:id="rId9" imgW="317160" imgH="164880" progId="Equation.3">
+                    <p:embed/>
+                  </p:oleObj>
+                </mc:Choice>
+                <mc:Fallback>
+                  <p:oleObj name="公式" r:id="rId9" imgW="317160" imgH="164880" progId="Equation.3">
+                    <p:embed/>
+                    <p:pic>
+                      <p:nvPicPr>
+                        <p:cNvPr id="0" name="Object 44"/>
+                        <p:cNvPicPr>
+                          <a:picLocks noChangeAspect="1" noChangeArrowheads="1"/>
+                        </p:cNvPicPr>
+                        <p:nvPr/>
+                      </p:nvPicPr>
+                      <p:blipFill>
+                        <a:blip r:embed="rId10">
+                          <a:extLst>
+                            <a:ext uri="{28A0092B-C50C-407E-A947-70E740481C1C}">
+                              <a14:useLocalDpi xmlns:a14="http://schemas.microsoft.com/office/drawing/2010/main" val="0"/>
+                            </a:ext>
+                          </a:extLst>
+                        </a:blip>
+                        <a:srcRect/>
+                        <a:stretch>
+                          <a:fillRect/>
+                        </a:stretch>
+                      </p:blipFill>
+                      <p:spPr bwMode="auto">
+                        <a:xfrm>
+                          <a:off x="1020" y="2568"/>
+                          <a:ext cx="453" cy="236"/>
+                        </a:xfrm>
+                        <a:prstGeom prst="rect">
+                          <a:avLst/>
+                        </a:prstGeom>
+                        <a:noFill/>
+                        <a:extLst>
+                          <a:ext uri="{909E8E84-426E-40DD-AFC4-6F175D3DCCD1}">
+                            <a14:hiddenFill xmlns:a14="http://schemas.microsoft.com/office/drawing/2010/main">
+                              <a:solidFill>
+                                <a:srgbClr val="FFFFFF"/>
+                              </a:solidFill>
+                            </a14:hiddenFill>
+                          </a:ext>
+                        </a:extLst>
+                      </p:spPr>
+                    </p:pic>
+                  </p:oleObj>
+                </mc:Fallback>
+              </mc:AlternateContent>
             </a:graphicData>
           </a:graphic>
         </p:graphicFrame>
@@ -13060,9 +13507,59 @@
           </p:xfrm>
           <a:graphic>
             <a:graphicData uri="http://schemas.openxmlformats.org/presentationml/2006/ole">
-              <p:oleObj spid="_x0000_s88070" name="公式" r:id="rId7" imgW="317160" imgH="164880" progId="Equation.3">
-                <p:embed/>
-              </p:oleObj>
+              <mc:AlternateContent xmlns:mc="http://schemas.openxmlformats.org/markup-compatibility/2006">
+                <mc:Choice xmlns:v="urn:schemas-microsoft-com:vml" Requires="v">
+                  <p:oleObj spid="_x0000_s88080" name="公式" r:id="rId11" imgW="317160" imgH="164880" progId="Equation.3">
+                    <p:embed/>
+                  </p:oleObj>
+                </mc:Choice>
+                <mc:Fallback>
+                  <p:oleObj name="公式" r:id="rId11" imgW="317160" imgH="164880" progId="Equation.3">
+                    <p:embed/>
+                    <p:pic>
+                      <p:nvPicPr>
+                        <p:cNvPr id="0" name="Picture 6"/>
+                        <p:cNvPicPr>
+                          <a:picLocks noChangeAspect="1" noChangeArrowheads="1"/>
+                        </p:cNvPicPr>
+                        <p:nvPr/>
+                      </p:nvPicPr>
+                      <p:blipFill>
+                        <a:blip r:embed="rId10">
+                          <a:extLst>
+                            <a:ext uri="{28A0092B-C50C-407E-A947-70E740481C1C}">
+                              <a14:useLocalDpi xmlns:a14="http://schemas.microsoft.com/office/drawing/2010/main" val="0"/>
+                            </a:ext>
+                          </a:extLst>
+                        </a:blip>
+                        <a:srcRect/>
+                        <a:stretch>
+                          <a:fillRect/>
+                        </a:stretch>
+                      </p:blipFill>
+                      <p:spPr bwMode="auto">
+                        <a:xfrm>
+                          <a:off x="1020" y="2568"/>
+                          <a:ext cx="453" cy="236"/>
+                        </a:xfrm>
+                        <a:prstGeom prst="rect">
+                          <a:avLst/>
+                        </a:prstGeom>
+                        <a:noFill/>
+                        <a:extLst>
+                          <a:ext uri="{909E8E84-426E-40DD-AFC4-6F175D3DCCD1}">
+                            <a14:hiddenFill xmlns:a14="http://schemas.microsoft.com/office/drawing/2010/main">
+                              <a:solidFill>
+                                <a:srgbClr val="FFFFFF"/>
+                              </a:solidFill>
+                            </a14:hiddenFill>
+                          </a:ext>
+                        </a:extLst>
+                      </p:spPr>
+                    </p:pic>
+                  </p:oleObj>
+                </mc:Fallback>
+              </mc:AlternateContent>
             </a:graphicData>
           </a:graphic>
         </p:graphicFrame>
@@ -14208,9 +14705,59 @@
           </p:xfrm>
           <a:graphic>
             <a:graphicData uri="http://schemas.openxmlformats.org/presentationml/2006/ole">
-              <p:oleObj spid="_x0000_s89090" name="公式" r:id="rId3" imgW="164880" imgH="228600" progId="Equation.3">
-                <p:embed/>
-              </p:oleObj>
+              <mc:AlternateContent xmlns:mc="http://schemas.openxmlformats.org/markup-compatibility/2006">
+                <mc:Choice xmlns:v="urn:schemas-microsoft-com:vml" Requires="v">
+                  <p:oleObj spid="_x0000_s89096" name="公式" r:id="rId3" imgW="164880" imgH="228600" progId="Equation.3">
+                    <p:embed/>
+                  </p:oleObj>
+                </mc:Choice>
+                <mc:Fallback>
+                  <p:oleObj name="公式" r:id="rId3" imgW="164880" imgH="228600" progId="Equation.3">
+                    <p:embed/>
+                    <p:pic>
+                      <p:nvPicPr>
+                        <p:cNvPr id="0" name="Object 48"/>
+                        <p:cNvPicPr>
+                          <a:picLocks noChangeAspect="1" noChangeArrowheads="1"/>
+                        </p:cNvPicPr>
+                        <p:nvPr/>
+                      </p:nvPicPr>
+                      <p:blipFill>
+                        <a:blip r:embed="rId4">
+                          <a:extLst>
+                            <a:ext uri="{28A0092B-C50C-407E-A947-70E740481C1C}">
+                              <a14:useLocalDpi xmlns:a14="http://schemas.microsoft.com/office/drawing/2010/main" val="0"/>
+                            </a:ext>
+                          </a:extLst>
+                        </a:blip>
+                        <a:srcRect/>
+                        <a:stretch>
+                          <a:fillRect/>
+                        </a:stretch>
+                      </p:blipFill>
+                      <p:spPr bwMode="auto">
+                        <a:xfrm>
+                          <a:off x="4123" y="3385"/>
+                          <a:ext cx="209" cy="227"/>
+                        </a:xfrm>
+                        <a:prstGeom prst="rect">
+                          <a:avLst/>
+                        </a:prstGeom>
+                        <a:noFill/>
+                        <a:extLst>
+                          <a:ext uri="{909E8E84-426E-40DD-AFC4-6F175D3DCCD1}">
+                            <a14:hiddenFill xmlns:a14="http://schemas.microsoft.com/office/drawing/2010/main">
+                              <a:solidFill>
+                                <a:srgbClr val="FFFFFF"/>
+                              </a:solidFill>
+                            </a14:hiddenFill>
+                          </a:ext>
+                        </a:extLst>
+                      </p:spPr>
+                    </p:pic>
+                  </p:oleObj>
+                </mc:Fallback>
+              </mc:AlternateContent>
             </a:graphicData>
           </a:graphic>
         </p:graphicFrame>
@@ -14228,9 +14775,59 @@
           </p:xfrm>
           <a:graphic>
             <a:graphicData uri="http://schemas.openxmlformats.org/presentationml/2006/ole">
-              <p:oleObj spid="_x0000_s89091" name="公式" r:id="rId4" imgW="164880" imgH="228600" progId="Equation.3">
-                <p:embed/>
-              </p:oleObj>
+              <mc:AlternateContent xmlns:mc="http://schemas.openxmlformats.org/markup-compatibility/2006">
+                <mc:Choice xmlns:v="urn:schemas-microsoft-com:vml" Requires="v">
+                  <p:oleObj spid="_x0000_s89097" name="公式" r:id="rId5" imgW="164880" imgH="228600" progId="Equation.3">
+                    <p:embed/>
+                  </p:oleObj>
+                </mc:Choice>
+                <mc:Fallback>
+                  <p:oleObj name="公式" r:id="rId5" imgW="164880" imgH="228600" progId="Equation.3">
+                    <p:embed/>
+                    <p:pic>
+                      <p:nvPicPr>
+                        <p:cNvPr id="0" name="Object 49"/>
+                        <p:cNvPicPr>
+                          <a:picLocks noChangeAspect="1" noChangeArrowheads="1"/>
+                        </p:cNvPicPr>
+                        <p:nvPr/>
+                      </p:nvPicPr>
+                      <p:blipFill>
+                        <a:blip r:embed="rId6">
+                          <a:extLst>
+                            <a:ext uri="{28A0092B-C50C-407E-A947-70E740481C1C}">
+                              <a14:useLocalDpi xmlns:a14="http://schemas.microsoft.com/office/drawing/2010/main" val="0"/>
+                            </a:ext>
+                          </a:extLst>
+                        </a:blip>
+                        <a:srcRect/>
+                        <a:stretch>
+                          <a:fillRect/>
+                        </a:stretch>
+                      </p:blipFill>
+                      <p:spPr bwMode="auto">
+                        <a:xfrm>
+                          <a:off x="4649" y="3786"/>
+                          <a:ext cx="219" cy="234"/>
+                        </a:xfrm>
+                        <a:prstGeom prst="rect">
+                          <a:avLst/>
+                        </a:prstGeom>
+                        <a:noFill/>
+                        <a:extLst>
+                          <a:ext uri="{909E8E84-426E-40DD-AFC4-6F175D3DCCD1}">
+                            <a14:hiddenFill xmlns:a14="http://schemas.microsoft.com/office/drawing/2010/main">
+                              <a:solidFill>
+                                <a:srgbClr val="FFFFFF"/>
+                              </a:solidFill>
+                            </a14:hiddenFill>
+                          </a:ext>
+                        </a:extLst>
+                      </p:spPr>
+                    </p:pic>
+                  </p:oleObj>
+                </mc:Fallback>
+              </mc:AlternateContent>
             </a:graphicData>
           </a:graphic>
         </p:graphicFrame>
@@ -14920,9 +15517,59 @@
           </p:xfrm>
           <a:graphic>
             <a:graphicData uri="http://schemas.openxmlformats.org/presentationml/2006/ole">
-              <p:oleObj spid="_x0000_s89092" name="公式" r:id="rId5" imgW="609480" imgH="215640" progId="Equation.3">
-                <p:embed/>
-              </p:oleObj>
+              <mc:AlternateContent xmlns:mc="http://schemas.openxmlformats.org/markup-compatibility/2006">
+                <mc:Choice xmlns:v="urn:schemas-microsoft-com:vml" Requires="v">
+                  <p:oleObj spid="_x0000_s89098" name="公式" r:id="rId7" imgW="609480" imgH="215640" progId="Equation.3">
+                    <p:embed/>
+                  </p:oleObj>
+                </mc:Choice>
+                <mc:Fallback>
+                  <p:oleObj name="公式" r:id="rId7" imgW="609480" imgH="215640" progId="Equation.3">
+                    <p:embed/>
+                    <p:pic>
+                      <p:nvPicPr>
+                        <p:cNvPr id="0" name="Object 66"/>
+                        <p:cNvPicPr>
+                          <a:picLocks noChangeAspect="1" noChangeArrowheads="1"/>
+                        </p:cNvPicPr>
+                        <p:nvPr/>
+                      </p:nvPicPr>
+                      <p:blipFill>
+                        <a:blip r:embed="rId8">
+                          <a:extLst>
+                            <a:ext uri="{28A0092B-C50C-407E-A947-70E740481C1C}">
+                              <a14:useLocalDpi xmlns:a14="http://schemas.microsoft.com/office/drawing/2010/main" val="0"/>
+                            </a:ext>
+                          </a:extLst>
+                        </a:blip>
+                        <a:srcRect/>
+                        <a:stretch>
+                          <a:fillRect/>
+                        </a:stretch>
+                      </p:blipFill>
+                      <p:spPr bwMode="auto">
+                        <a:xfrm>
+                          <a:off x="249" y="2886"/>
+                          <a:ext cx="862" cy="305"/>
+                        </a:xfrm>
+                        <a:prstGeom prst="rect">
+                          <a:avLst/>
+                        </a:prstGeom>
+                        <a:noFill/>
+                        <a:extLst>
+                          <a:ext uri="{909E8E84-426E-40DD-AFC4-6F175D3DCCD1}">
+                            <a14:hiddenFill xmlns:a14="http://schemas.microsoft.com/office/drawing/2010/main">
+                              <a:solidFill>
+                                <a:srgbClr val="FFFFFF"/>
+                              </a:solidFill>
+                            </a14:hiddenFill>
+                          </a:ext>
+                        </a:extLst>
+                      </p:spPr>
+                    </p:pic>
+                  </p:oleObj>
+                </mc:Fallback>
+              </mc:AlternateContent>
             </a:graphicData>
           </a:graphic>
         </p:graphicFrame>
@@ -15820,7 +16467,7 @@
   <a:extraClrSchemeLst/>
   <a:extLst>
     <a:ext uri="{05A4C25C-085E-4340-85A3-A5531E510DB2}">
-      <thm15:themeFamily xmlns:thm15="http://schemas.microsoft.com/office/thememl/2012/main" xmlns="" name="Office Theme" id="{62F939B6-93AF-4DB8-9C6B-D6C7DFDC589F}" vid="{4A3C46E8-61CC-4603-A589-7422A47A8E4A}"/>
+      <thm15:themeFamily xmlns:thm15="http://schemas.microsoft.com/office/thememl/2012/main" name="Office Theme" id="{62F939B6-93AF-4DB8-9C6B-D6C7DFDC589F}" vid="{4A3C46E8-61CC-4603-A589-7422A47A8E4A}"/>
     </a:ext>
   </a:extLst>
 </a:theme>
@@ -16081,7 +16728,7 @@
   <a:extraClrSchemeLst/>
   <a:extLst>
     <a:ext uri="{05A4C25C-085E-4340-85A3-A5531E510DB2}">
-      <thm15:themeFamily xmlns:thm15="http://schemas.microsoft.com/office/thememl/2012/main" xmlns="" name="Office Theme" id="{62F939B6-93AF-4DB8-9C6B-D6C7DFDC589F}" vid="{4A3C46E8-61CC-4603-A589-7422A47A8E4A}"/>
+      <thm15:themeFamily xmlns:thm15="http://schemas.microsoft.com/office/thememl/2012/main" name="Office Theme" id="{62F939B6-93AF-4DB8-9C6B-D6C7DFDC589F}" vid="{4A3C46E8-61CC-4603-A589-7422A47A8E4A}"/>
     </a:ext>
   </a:extLst>
 </a:theme>
